--- a/4. KMU/Third Semester/03. Text Mining (2017)/files/08_topic.pptx
+++ b/4. KMU/Third Semester/03. Text Mining (2017)/files/08_topic.pptx
@@ -266,7 +266,7 @@
           <a:p>
             <a:fld id="{6BFECD78-3C8E-49F2-8FAB-59489D168ABB}" type="datetimeFigureOut">
               <a:rPr lang="en-US" smtClean="0"/>
-              <a:t>4/28/2017</a:t>
+              <a:t>4/29/2017</a:t>
             </a:fld>
             <a:endParaRPr lang="en-US"/>
           </a:p>
@@ -434,7 +434,7 @@
           <a:p>
             <a:fld id="{6BFECD78-3C8E-49F2-8FAB-59489D168ABB}" type="datetimeFigureOut">
               <a:rPr lang="en-US" smtClean="0"/>
-              <a:t>4/28/2017</a:t>
+              <a:t>4/29/2017</a:t>
             </a:fld>
             <a:endParaRPr lang="en-US"/>
           </a:p>
@@ -612,7 +612,7 @@
           <a:p>
             <a:fld id="{6BFECD78-3C8E-49F2-8FAB-59489D168ABB}" type="datetimeFigureOut">
               <a:rPr lang="en-US" smtClean="0"/>
-              <a:t>4/28/2017</a:t>
+              <a:t>4/29/2017</a:t>
             </a:fld>
             <a:endParaRPr lang="en-US"/>
           </a:p>
@@ -780,7 +780,7 @@
           <a:p>
             <a:fld id="{6BFECD78-3C8E-49F2-8FAB-59489D168ABB}" type="datetimeFigureOut">
               <a:rPr lang="en-US" smtClean="0"/>
-              <a:t>4/28/2017</a:t>
+              <a:t>4/29/2017</a:t>
             </a:fld>
             <a:endParaRPr lang="en-US"/>
           </a:p>
@@ -1025,7 +1025,7 @@
           <a:p>
             <a:fld id="{6BFECD78-3C8E-49F2-8FAB-59489D168ABB}" type="datetimeFigureOut">
               <a:rPr lang="en-US" smtClean="0"/>
-              <a:t>4/28/2017</a:t>
+              <a:t>4/29/2017</a:t>
             </a:fld>
             <a:endParaRPr lang="en-US"/>
           </a:p>
@@ -1254,7 +1254,7 @@
           <a:p>
             <a:fld id="{6BFECD78-3C8E-49F2-8FAB-59489D168ABB}" type="datetimeFigureOut">
               <a:rPr lang="en-US" smtClean="0"/>
-              <a:t>4/28/2017</a:t>
+              <a:t>4/29/2017</a:t>
             </a:fld>
             <a:endParaRPr lang="en-US"/>
           </a:p>
@@ -1618,7 +1618,7 @@
           <a:p>
             <a:fld id="{6BFECD78-3C8E-49F2-8FAB-59489D168ABB}" type="datetimeFigureOut">
               <a:rPr lang="en-US" smtClean="0"/>
-              <a:t>4/28/2017</a:t>
+              <a:t>4/29/2017</a:t>
             </a:fld>
             <a:endParaRPr lang="en-US"/>
           </a:p>
@@ -1735,7 +1735,7 @@
           <a:p>
             <a:fld id="{6BFECD78-3C8E-49F2-8FAB-59489D168ABB}" type="datetimeFigureOut">
               <a:rPr lang="en-US" smtClean="0"/>
-              <a:t>4/28/2017</a:t>
+              <a:t>4/29/2017</a:t>
             </a:fld>
             <a:endParaRPr lang="en-US"/>
           </a:p>
@@ -1830,7 +1830,7 @@
           <a:p>
             <a:fld id="{6BFECD78-3C8E-49F2-8FAB-59489D168ABB}" type="datetimeFigureOut">
               <a:rPr lang="en-US" smtClean="0"/>
-              <a:t>4/28/2017</a:t>
+              <a:t>4/29/2017</a:t>
             </a:fld>
             <a:endParaRPr lang="en-US"/>
           </a:p>
@@ -2105,7 +2105,7 @@
           <a:p>
             <a:fld id="{6BFECD78-3C8E-49F2-8FAB-59489D168ABB}" type="datetimeFigureOut">
               <a:rPr lang="en-US" smtClean="0"/>
-              <a:t>4/28/2017</a:t>
+              <a:t>4/29/2017</a:t>
             </a:fld>
             <a:endParaRPr lang="en-US"/>
           </a:p>
@@ -2357,7 +2357,7 @@
           <a:p>
             <a:fld id="{6BFECD78-3C8E-49F2-8FAB-59489D168ABB}" type="datetimeFigureOut">
               <a:rPr lang="en-US" smtClean="0"/>
-              <a:t>4/28/2017</a:t>
+              <a:t>4/29/2017</a:t>
             </a:fld>
             <a:endParaRPr lang="en-US"/>
           </a:p>
@@ -2568,7 +2568,7 @@
           <a:p>
             <a:fld id="{6BFECD78-3C8E-49F2-8FAB-59489D168ABB}" type="datetimeFigureOut">
               <a:rPr lang="en-US" smtClean="0"/>
-              <a:t>4/28/2017</a:t>
+              <a:t>4/29/2017</a:t>
             </a:fld>
             <a:endParaRPr lang="en-US"/>
           </a:p>
@@ -3093,54 +3093,54 @@
           <a:lstStyle/>
           <a:p>
             <a:r>
-              <a:rPr lang="en-US" altLang="ko-KR"/>
+              <a:rPr lang="en-US" altLang="ko-KR" dirty="0"/>
               <a:t>Correlated topic models</a:t>
             </a:r>
           </a:p>
           <a:p>
             <a:r>
-              <a:rPr lang="en-US" altLang="ko-KR"/>
+              <a:rPr lang="en-US" altLang="ko-KR" dirty="0"/>
               <a:t>Dynamic topic models &amp; measuring scholarly</a:t>
             </a:r>
             <a:r>
-              <a:rPr lang="ko-KR" altLang="en-US"/>
+              <a:rPr lang="ko-KR" altLang="en-US" dirty="0"/>
               <a:t> </a:t>
             </a:r>
             <a:r>
-              <a:rPr lang="en-US" altLang="ko-KR"/>
+              <a:rPr lang="en-US" altLang="ko-KR" dirty="0"/>
               <a:t>impact</a:t>
             </a:r>
           </a:p>
           <a:p>
             <a:r>
-              <a:rPr lang="en-US" altLang="ko-KR"/>
+              <a:rPr lang="en-US" altLang="ko-KR" dirty="0"/>
               <a:t>Supervised topic models</a:t>
             </a:r>
           </a:p>
           <a:p>
             <a:r>
-              <a:rPr lang="en-US" altLang="ko-KR"/>
+              <a:rPr lang="en-US" altLang="ko-KR" dirty="0"/>
               <a:t>Relational topic models</a:t>
             </a:r>
           </a:p>
           <a:p>
             <a:r>
-              <a:rPr lang="en-US" altLang="ko-KR"/>
+              <a:rPr lang="en-US" altLang="ko-KR" dirty="0"/>
               <a:t>Ideal point topic models</a:t>
             </a:r>
           </a:p>
           <a:p>
             <a:r>
-              <a:rPr lang="en-US" altLang="ko-KR"/>
+              <a:rPr lang="en-US" altLang="ko-KR" dirty="0"/>
               <a:t>Collaborative topic models</a:t>
             </a:r>
             <a:br>
-              <a:rPr lang="en-US" altLang="ko-KR"/>
+              <a:rPr lang="en-US" altLang="ko-KR" dirty="0"/>
             </a:br>
             <a:br>
-              <a:rPr lang="en-US" altLang="ko-KR"/>
+              <a:rPr lang="en-US" altLang="ko-KR" dirty="0"/>
             </a:br>
-            <a:endParaRPr lang="ko-KR" altLang="en-US"/>
+            <a:endParaRPr lang="ko-KR" altLang="en-US" dirty="0"/>
           </a:p>
         </p:txBody>
       </p:sp>
@@ -3861,7 +3861,7 @@
         </p:nvSpPr>
         <p:spPr>
           <a:xfrm>
-            <a:off x="2152650" y="2439868"/>
+            <a:off x="4955225" y="2439868"/>
             <a:ext cx="2046850" cy="2489983"/>
           </a:xfrm>
           <a:prstGeom prst="can">
@@ -3904,7 +3904,7 @@
         </p:nvSpPr>
         <p:spPr>
           <a:xfrm>
-            <a:off x="2380370" y="3069062"/>
+            <a:off x="5182945" y="3069062"/>
             <a:ext cx="685800" cy="685800"/>
           </a:xfrm>
           <a:prstGeom prst="ellipse">
@@ -3968,7 +3968,7 @@
         </p:nvSpPr>
         <p:spPr>
           <a:xfrm>
-            <a:off x="3318510" y="3313655"/>
+            <a:off x="6121085" y="3313655"/>
             <a:ext cx="685800" cy="685800"/>
           </a:xfrm>
           <a:prstGeom prst="ellipse">
@@ -4032,7 +4032,7 @@
         </p:nvSpPr>
         <p:spPr>
           <a:xfrm>
-            <a:off x="2632710" y="3999455"/>
+            <a:off x="5435285" y="3999455"/>
             <a:ext cx="685800" cy="685800"/>
           </a:xfrm>
           <a:prstGeom prst="ellipse">
@@ -4096,7 +4096,7 @@
         </p:nvSpPr>
         <p:spPr>
           <a:xfrm>
-            <a:off x="4885301" y="2628255"/>
+            <a:off x="7687876" y="2628255"/>
             <a:ext cx="2117188" cy="2057001"/>
           </a:xfrm>
           <a:prstGeom prst="ellipse">
@@ -4163,7 +4163,7 @@
         </p:nvSpPr>
         <p:spPr>
           <a:xfrm>
-            <a:off x="3824070" y="2079215"/>
+            <a:off x="6626645" y="2079215"/>
             <a:ext cx="1582615" cy="548640"/>
           </a:xfrm>
           <a:prstGeom prst="curvedDownArrow">
@@ -4196,6 +4196,49 @@
                 <a:schemeClr val="tx1"/>
               </a:solidFill>
             </a:endParaRPr>
+          </a:p>
+        </p:txBody>
+      </p:sp>
+      <p:sp>
+        <p:nvSpPr>
+          <p:cNvPr id="9" name="원통 4"/>
+          <p:cNvSpPr/>
+          <p:nvPr/>
+        </p:nvSpPr>
+        <p:spPr>
+          <a:xfrm>
+            <a:off x="2467880" y="2439867"/>
+            <a:ext cx="2046850" cy="2489983"/>
+          </a:xfrm>
+          <a:prstGeom prst="can">
+            <a:avLst/>
+          </a:prstGeom>
+        </p:spPr>
+        <p:style>
+          <a:lnRef idx="2">
+            <a:schemeClr val="accent1">
+              <a:shade val="50000"/>
+            </a:schemeClr>
+          </a:lnRef>
+          <a:fillRef idx="1">
+            <a:schemeClr val="accent1"/>
+          </a:fillRef>
+          <a:effectRef idx="0">
+            <a:schemeClr val="accent1"/>
+          </a:effectRef>
+          <a:fontRef idx="minor">
+            <a:schemeClr val="lt1"/>
+          </a:fontRef>
+        </p:style>
+        <p:txBody>
+          <a:bodyPr rtlCol="0" anchor="ctr"/>
+          <a:lstStyle/>
+          <a:p>
+            <a:pPr algn="ctr"/>
+            <a:r>
+              <a:rPr lang="ko-KR" altLang="en-US" sz="3600" dirty="0"/>
+              <a:t>문서</a:t>
+            </a:r>
           </a:p>
         </p:txBody>
       </p:sp>
